--- a/Documents/电侠二期固件结构.pptx
+++ b/Documents/电侠二期固件结构.pptx
@@ -259,7 +259,7 @@
           <a:p>
             <a:fld id="{0FFF6D94-1F98-4F53-8577-BD7FCC73B69C}" type="datetimeFigureOut">
               <a:rPr lang="zh-CN" altLang="en-US" smtClean="0"/>
-              <a:t>2018/3/27</a:t>
+              <a:t>2018/3/30</a:t>
             </a:fld>
             <a:endParaRPr lang="zh-CN" altLang="en-US"/>
           </a:p>
@@ -457,7 +457,7 @@
           <a:p>
             <a:fld id="{0FFF6D94-1F98-4F53-8577-BD7FCC73B69C}" type="datetimeFigureOut">
               <a:rPr lang="zh-CN" altLang="en-US" smtClean="0"/>
-              <a:t>2018/3/27</a:t>
+              <a:t>2018/3/30</a:t>
             </a:fld>
             <a:endParaRPr lang="zh-CN" altLang="en-US"/>
           </a:p>
@@ -665,7 +665,7 @@
           <a:p>
             <a:fld id="{0FFF6D94-1F98-4F53-8577-BD7FCC73B69C}" type="datetimeFigureOut">
               <a:rPr lang="zh-CN" altLang="en-US" smtClean="0"/>
-              <a:t>2018/3/27</a:t>
+              <a:t>2018/3/30</a:t>
             </a:fld>
             <a:endParaRPr lang="zh-CN" altLang="en-US"/>
           </a:p>
@@ -863,7 +863,7 @@
           <a:p>
             <a:fld id="{0FFF6D94-1F98-4F53-8577-BD7FCC73B69C}" type="datetimeFigureOut">
               <a:rPr lang="zh-CN" altLang="en-US" smtClean="0"/>
-              <a:t>2018/3/27</a:t>
+              <a:t>2018/3/30</a:t>
             </a:fld>
             <a:endParaRPr lang="zh-CN" altLang="en-US"/>
           </a:p>
@@ -1138,7 +1138,7 @@
           <a:p>
             <a:fld id="{0FFF6D94-1F98-4F53-8577-BD7FCC73B69C}" type="datetimeFigureOut">
               <a:rPr lang="zh-CN" altLang="en-US" smtClean="0"/>
-              <a:t>2018/3/27</a:t>
+              <a:t>2018/3/30</a:t>
             </a:fld>
             <a:endParaRPr lang="zh-CN" altLang="en-US"/>
           </a:p>
@@ -1403,7 +1403,7 @@
           <a:p>
             <a:fld id="{0FFF6D94-1F98-4F53-8577-BD7FCC73B69C}" type="datetimeFigureOut">
               <a:rPr lang="zh-CN" altLang="en-US" smtClean="0"/>
-              <a:t>2018/3/27</a:t>
+              <a:t>2018/3/30</a:t>
             </a:fld>
             <a:endParaRPr lang="zh-CN" altLang="en-US"/>
           </a:p>
@@ -1815,7 +1815,7 @@
           <a:p>
             <a:fld id="{0FFF6D94-1F98-4F53-8577-BD7FCC73B69C}" type="datetimeFigureOut">
               <a:rPr lang="zh-CN" altLang="en-US" smtClean="0"/>
-              <a:t>2018/3/27</a:t>
+              <a:t>2018/3/30</a:t>
             </a:fld>
             <a:endParaRPr lang="zh-CN" altLang="en-US"/>
           </a:p>
@@ -1956,7 +1956,7 @@
           <a:p>
             <a:fld id="{0FFF6D94-1F98-4F53-8577-BD7FCC73B69C}" type="datetimeFigureOut">
               <a:rPr lang="zh-CN" altLang="en-US" smtClean="0"/>
-              <a:t>2018/3/27</a:t>
+              <a:t>2018/3/30</a:t>
             </a:fld>
             <a:endParaRPr lang="zh-CN" altLang="en-US"/>
           </a:p>
@@ -2069,7 +2069,7 @@
           <a:p>
             <a:fld id="{0FFF6D94-1F98-4F53-8577-BD7FCC73B69C}" type="datetimeFigureOut">
               <a:rPr lang="zh-CN" altLang="en-US" smtClean="0"/>
-              <a:t>2018/3/27</a:t>
+              <a:t>2018/3/30</a:t>
             </a:fld>
             <a:endParaRPr lang="zh-CN" altLang="en-US"/>
           </a:p>
@@ -2380,7 +2380,7 @@
           <a:p>
             <a:fld id="{0FFF6D94-1F98-4F53-8577-BD7FCC73B69C}" type="datetimeFigureOut">
               <a:rPr lang="zh-CN" altLang="en-US" smtClean="0"/>
-              <a:t>2018/3/27</a:t>
+              <a:t>2018/3/30</a:t>
             </a:fld>
             <a:endParaRPr lang="zh-CN" altLang="en-US"/>
           </a:p>
@@ -2668,7 +2668,7 @@
           <a:p>
             <a:fld id="{0FFF6D94-1F98-4F53-8577-BD7FCC73B69C}" type="datetimeFigureOut">
               <a:rPr lang="zh-CN" altLang="en-US" smtClean="0"/>
-              <a:t>2018/3/27</a:t>
+              <a:t>2018/3/30</a:t>
             </a:fld>
             <a:endParaRPr lang="zh-CN" altLang="en-US"/>
           </a:p>
@@ -2909,7 +2909,7 @@
           <a:p>
             <a:fld id="{0FFF6D94-1F98-4F53-8577-BD7FCC73B69C}" type="datetimeFigureOut">
               <a:rPr lang="zh-CN" altLang="en-US" smtClean="0"/>
-              <a:t>2018/3/27</a:t>
+              <a:t>2018/3/30</a:t>
             </a:fld>
             <a:endParaRPr lang="zh-CN" altLang="en-US"/>
           </a:p>
@@ -5093,6 +5093,53 @@
           </a:p>
         </p:txBody>
       </p:sp>
+      <p:sp>
+        <p:nvSpPr>
+          <p:cNvPr id="2" name="矩形 1">
+            <a:extLst>
+              <a:ext uri="{FF2B5EF4-FFF2-40B4-BE49-F238E27FC236}">
+                <a16:creationId xmlns:a16="http://schemas.microsoft.com/office/drawing/2014/main" id="{48EA425B-DDE6-4CBD-A95F-273AE2FFFB99}"/>
+              </a:ext>
+            </a:extLst>
+          </p:cNvPr>
+          <p:cNvSpPr/>
+          <p:nvPr/>
+        </p:nvSpPr>
+        <p:spPr>
+          <a:xfrm>
+            <a:off x="5196254" y="4478430"/>
+            <a:ext cx="1257300" cy="1541097"/>
+          </a:xfrm>
+          <a:prstGeom prst="rect">
+            <a:avLst/>
+          </a:prstGeom>
+          <a:noFill/>
+        </p:spPr>
+        <p:style>
+          <a:lnRef idx="2">
+            <a:schemeClr val="accent1">
+              <a:shade val="50000"/>
+            </a:schemeClr>
+          </a:lnRef>
+          <a:fillRef idx="1">
+            <a:schemeClr val="accent1"/>
+          </a:fillRef>
+          <a:effectRef idx="0">
+            <a:schemeClr val="accent1"/>
+          </a:effectRef>
+          <a:fontRef idx="minor">
+            <a:schemeClr val="lt1"/>
+          </a:fontRef>
+        </p:style>
+        <p:txBody>
+          <a:bodyPr rtlCol="0" anchor="ctr"/>
+          <a:lstStyle/>
+          <a:p>
+            <a:pPr algn="ctr"/>
+            <a:endParaRPr lang="zh-CN" altLang="en-US"/>
+          </a:p>
+        </p:txBody>
+      </p:sp>
     </p:spTree>
     <p:extLst>
       <p:ext uri="{BB962C8B-B14F-4D97-AF65-F5344CB8AC3E}">

--- a/Documents/电侠二期固件结构.pptx
+++ b/Documents/电侠二期固件结构.pptx
@@ -259,7 +259,7 @@
           <a:p>
             <a:fld id="{0FFF6D94-1F98-4F53-8577-BD7FCC73B69C}" type="datetimeFigureOut">
               <a:rPr lang="zh-CN" altLang="en-US" smtClean="0"/>
-              <a:t>2018/3/30</a:t>
+              <a:t>2018/4/9</a:t>
             </a:fld>
             <a:endParaRPr lang="zh-CN" altLang="en-US"/>
           </a:p>
@@ -457,7 +457,7 @@
           <a:p>
             <a:fld id="{0FFF6D94-1F98-4F53-8577-BD7FCC73B69C}" type="datetimeFigureOut">
               <a:rPr lang="zh-CN" altLang="en-US" smtClean="0"/>
-              <a:t>2018/3/30</a:t>
+              <a:t>2018/4/9</a:t>
             </a:fld>
             <a:endParaRPr lang="zh-CN" altLang="en-US"/>
           </a:p>
@@ -665,7 +665,7 @@
           <a:p>
             <a:fld id="{0FFF6D94-1F98-4F53-8577-BD7FCC73B69C}" type="datetimeFigureOut">
               <a:rPr lang="zh-CN" altLang="en-US" smtClean="0"/>
-              <a:t>2018/3/30</a:t>
+              <a:t>2018/4/9</a:t>
             </a:fld>
             <a:endParaRPr lang="zh-CN" altLang="en-US"/>
           </a:p>
@@ -863,7 +863,7 @@
           <a:p>
             <a:fld id="{0FFF6D94-1F98-4F53-8577-BD7FCC73B69C}" type="datetimeFigureOut">
               <a:rPr lang="zh-CN" altLang="en-US" smtClean="0"/>
-              <a:t>2018/3/30</a:t>
+              <a:t>2018/4/9</a:t>
             </a:fld>
             <a:endParaRPr lang="zh-CN" altLang="en-US"/>
           </a:p>
@@ -1138,7 +1138,7 @@
           <a:p>
             <a:fld id="{0FFF6D94-1F98-4F53-8577-BD7FCC73B69C}" type="datetimeFigureOut">
               <a:rPr lang="zh-CN" altLang="en-US" smtClean="0"/>
-              <a:t>2018/3/30</a:t>
+              <a:t>2018/4/9</a:t>
             </a:fld>
             <a:endParaRPr lang="zh-CN" altLang="en-US"/>
           </a:p>
@@ -1403,7 +1403,7 @@
           <a:p>
             <a:fld id="{0FFF6D94-1F98-4F53-8577-BD7FCC73B69C}" type="datetimeFigureOut">
               <a:rPr lang="zh-CN" altLang="en-US" smtClean="0"/>
-              <a:t>2018/3/30</a:t>
+              <a:t>2018/4/9</a:t>
             </a:fld>
             <a:endParaRPr lang="zh-CN" altLang="en-US"/>
           </a:p>
@@ -1815,7 +1815,7 @@
           <a:p>
             <a:fld id="{0FFF6D94-1F98-4F53-8577-BD7FCC73B69C}" type="datetimeFigureOut">
               <a:rPr lang="zh-CN" altLang="en-US" smtClean="0"/>
-              <a:t>2018/3/30</a:t>
+              <a:t>2018/4/9</a:t>
             </a:fld>
             <a:endParaRPr lang="zh-CN" altLang="en-US"/>
           </a:p>
@@ -1956,7 +1956,7 @@
           <a:p>
             <a:fld id="{0FFF6D94-1F98-4F53-8577-BD7FCC73B69C}" type="datetimeFigureOut">
               <a:rPr lang="zh-CN" altLang="en-US" smtClean="0"/>
-              <a:t>2018/3/30</a:t>
+              <a:t>2018/4/9</a:t>
             </a:fld>
             <a:endParaRPr lang="zh-CN" altLang="en-US"/>
           </a:p>
@@ -2069,7 +2069,7 @@
           <a:p>
             <a:fld id="{0FFF6D94-1F98-4F53-8577-BD7FCC73B69C}" type="datetimeFigureOut">
               <a:rPr lang="zh-CN" altLang="en-US" smtClean="0"/>
-              <a:t>2018/3/30</a:t>
+              <a:t>2018/4/9</a:t>
             </a:fld>
             <a:endParaRPr lang="zh-CN" altLang="en-US"/>
           </a:p>
@@ -2380,7 +2380,7 @@
           <a:p>
             <a:fld id="{0FFF6D94-1F98-4F53-8577-BD7FCC73B69C}" type="datetimeFigureOut">
               <a:rPr lang="zh-CN" altLang="en-US" smtClean="0"/>
-              <a:t>2018/3/30</a:t>
+              <a:t>2018/4/9</a:t>
             </a:fld>
             <a:endParaRPr lang="zh-CN" altLang="en-US"/>
           </a:p>
@@ -2668,7 +2668,7 @@
           <a:p>
             <a:fld id="{0FFF6D94-1F98-4F53-8577-BD7FCC73B69C}" type="datetimeFigureOut">
               <a:rPr lang="zh-CN" altLang="en-US" smtClean="0"/>
-              <a:t>2018/3/30</a:t>
+              <a:t>2018/4/9</a:t>
             </a:fld>
             <a:endParaRPr lang="zh-CN" altLang="en-US"/>
           </a:p>
@@ -2909,7 +2909,7 @@
           <a:p>
             <a:fld id="{0FFF6D94-1F98-4F53-8577-BD7FCC73B69C}" type="datetimeFigureOut">
               <a:rPr lang="zh-CN" altLang="en-US" smtClean="0"/>
-              <a:t>2018/3/30</a:t>
+              <a:t>2018/4/9</a:t>
             </a:fld>
             <a:endParaRPr lang="zh-CN" altLang="en-US"/>
           </a:p>
@@ -3878,14 +3878,14 @@
             <a:r>
               <a:rPr lang="zh-CN" altLang="en-US" sz="1100" dirty="0">
                 <a:solidFill>
-                  <a:schemeClr val="tx1"/>
+                  <a:srgbClr val="FF0000"/>
                 </a:solidFill>
               </a:rPr>
               <a:t>信号强度上报</a:t>
             </a:r>
             <a:endParaRPr lang="en-US" altLang="zh-CN" sz="1100" dirty="0">
               <a:solidFill>
-                <a:schemeClr val="tx1"/>
+                <a:srgbClr val="FF0000"/>
               </a:solidFill>
             </a:endParaRPr>
           </a:p>
@@ -3893,7 +3893,7 @@
             <a:pPr algn="ctr"/>
             <a:endParaRPr lang="zh-CN" altLang="en-US" sz="1100" dirty="0">
               <a:solidFill>
-                <a:schemeClr val="tx1"/>
+                <a:srgbClr val="FF0000"/>
               </a:solidFill>
             </a:endParaRPr>
           </a:p>
@@ -5107,8 +5107,8 @@
         </p:nvSpPr>
         <p:spPr>
           <a:xfrm>
-            <a:off x="5196254" y="4478430"/>
-            <a:ext cx="1257300" cy="1541097"/>
+            <a:off x="5196254" y="3187496"/>
+            <a:ext cx="1257300" cy="2832032"/>
           </a:xfrm>
           <a:prstGeom prst="rect">
             <a:avLst/>
